--- a/Short Course/Slides/Session 0.pptx
+++ b/Short Course/Slides/Session 0.pptx
@@ -1,13 +1,18 @@
 
 <file path=ppt/presentation.xml><?xml version="1.0" encoding="utf-8"?>
-<p:presentation xmlns:a="http://schemas.openxmlformats.org/drawingml/2006/main" xmlns:r="http://schemas.openxmlformats.org/officeDocument/2006/relationships" xmlns:p="http://schemas.openxmlformats.org/presentationml/2006/main" saveSubsetFonts="1" autoCompressPictures="0">
+<p:presentation xmlns:a="http://schemas.openxmlformats.org/drawingml/2006/main" xmlns:r="http://schemas.openxmlformats.org/officeDocument/2006/relationships" xmlns:p="http://schemas.openxmlformats.org/presentationml/2006/main" showSpecialPlsOnTitleSld="0" saveSubsetFonts="1" autoCompressPictures="0">
   <p:sldMasterIdLst>
     <p:sldMasterId id="2147483648" r:id="rId1"/>
   </p:sldMasterIdLst>
+  <p:notesMasterIdLst>
+    <p:notesMasterId r:id="rId7"/>
+  </p:notesMasterIdLst>
   <p:sldIdLst>
     <p:sldId id="256" r:id="rId2"/>
     <p:sldId id="257" r:id="rId3"/>
     <p:sldId id="258" r:id="rId4"/>
+    <p:sldId id="259" r:id="rId5"/>
+    <p:sldId id="260" r:id="rId6"/>
   </p:sldIdLst>
   <p:sldSz cx="12192000" cy="6858000"/>
   <p:notesSz cx="6858000" cy="9144000"/>
@@ -114,6 +119,355 @@
 </p:presentation>
 </file>
 
+<file path=ppt/notesMasters/notesMaster1.xml><?xml version="1.0" encoding="utf-8"?>
+<p:notesMaster xmlns:a="http://schemas.openxmlformats.org/drawingml/2006/main" xmlns:r="http://schemas.openxmlformats.org/officeDocument/2006/relationships" xmlns:p="http://schemas.openxmlformats.org/presentationml/2006/main">
+  <p:cSld>
+    <p:bg>
+      <p:bgRef idx="1001">
+        <a:schemeClr val="bg1"/>
+      </p:bgRef>
+    </p:bg>
+    <p:spTree>
+      <p:nvGrpSpPr>
+        <p:cNvPr id="1" name=""/>
+        <p:cNvGrpSpPr/>
+        <p:nvPr/>
+      </p:nvGrpSpPr>
+      <p:grpSpPr>
+        <a:xfrm>
+          <a:off x="0" y="0"/>
+          <a:ext cx="0" cy="0"/>
+          <a:chOff x="0" y="0"/>
+          <a:chExt cx="0" cy="0"/>
+        </a:xfrm>
+      </p:grpSpPr>
+      <p:sp>
+        <p:nvSpPr>
+          <p:cNvPr id="2" name="Header Placeholder 1"/>
+          <p:cNvSpPr>
+            <a:spLocks noGrp="1"/>
+          </p:cNvSpPr>
+          <p:nvPr>
+            <p:ph type="hdr" sz="quarter"/>
+          </p:nvPr>
+        </p:nvSpPr>
+        <p:spPr>
+          <a:xfrm>
+            <a:off x="0" y="0"/>
+            <a:ext cx="2971800" cy="458788"/>
+          </a:xfrm>
+          <a:prstGeom prst="rect">
+            <a:avLst/>
+          </a:prstGeom>
+        </p:spPr>
+        <p:txBody>
+          <a:bodyPr vert="horz" lIns="91440" tIns="45720" rIns="91440" bIns="45720" rtlCol="0"/>
+          <a:lstStyle>
+            <a:lvl1pPr algn="l">
+              <a:defRPr sz="1200"/>
+            </a:lvl1pPr>
+          </a:lstStyle>
+          <a:p>
+            <a:endParaRPr lang="en-US"/>
+          </a:p>
+        </p:txBody>
+      </p:sp>
+      <p:sp>
+        <p:nvSpPr>
+          <p:cNvPr id="3" name="Date Placeholder 2"/>
+          <p:cNvSpPr>
+            <a:spLocks noGrp="1"/>
+          </p:cNvSpPr>
+          <p:nvPr>
+            <p:ph type="dt" idx="1"/>
+          </p:nvPr>
+        </p:nvSpPr>
+        <p:spPr>
+          <a:xfrm>
+            <a:off x="3884613" y="0"/>
+            <a:ext cx="2971800" cy="458788"/>
+          </a:xfrm>
+          <a:prstGeom prst="rect">
+            <a:avLst/>
+          </a:prstGeom>
+        </p:spPr>
+        <p:txBody>
+          <a:bodyPr vert="horz" lIns="91440" tIns="45720" rIns="91440" bIns="45720" rtlCol="0"/>
+          <a:lstStyle>
+            <a:lvl1pPr algn="r">
+              <a:defRPr sz="1200"/>
+            </a:lvl1pPr>
+          </a:lstStyle>
+          <a:p>
+            <a:fld id="{778D3088-963D-C44B-8D42-844222FCA0FA}" type="datetimeFigureOut">
+              <a:rPr lang="en-US" smtClean="0"/>
+              <a:t>9/8/21</a:t>
+            </a:fld>
+            <a:endParaRPr lang="en-US"/>
+          </a:p>
+        </p:txBody>
+      </p:sp>
+      <p:sp>
+        <p:nvSpPr>
+          <p:cNvPr id="4" name="Slide Image Placeholder 3"/>
+          <p:cNvSpPr>
+            <a:spLocks noGrp="1" noRot="1" noChangeAspect="1"/>
+          </p:cNvSpPr>
+          <p:nvPr>
+            <p:ph type="sldImg" idx="2"/>
+          </p:nvPr>
+        </p:nvSpPr>
+        <p:spPr>
+          <a:xfrm>
+            <a:off x="685800" y="1143000"/>
+            <a:ext cx="5486400" cy="3086100"/>
+          </a:xfrm>
+          <a:prstGeom prst="rect">
+            <a:avLst/>
+          </a:prstGeom>
+          <a:noFill/>
+          <a:ln w="12700">
+            <a:solidFill>
+              <a:prstClr val="black"/>
+            </a:solidFill>
+          </a:ln>
+        </p:spPr>
+        <p:txBody>
+          <a:bodyPr vert="horz" lIns="91440" tIns="45720" rIns="91440" bIns="45720" rtlCol="0" anchor="ctr"/>
+          <a:lstStyle/>
+          <a:p>
+            <a:endParaRPr lang="en-US"/>
+          </a:p>
+        </p:txBody>
+      </p:sp>
+      <p:sp>
+        <p:nvSpPr>
+          <p:cNvPr id="5" name="Notes Placeholder 4"/>
+          <p:cNvSpPr>
+            <a:spLocks noGrp="1"/>
+          </p:cNvSpPr>
+          <p:nvPr>
+            <p:ph type="body" sz="quarter" idx="3"/>
+          </p:nvPr>
+        </p:nvSpPr>
+        <p:spPr>
+          <a:xfrm>
+            <a:off x="685800" y="4400550"/>
+            <a:ext cx="5486400" cy="3600450"/>
+          </a:xfrm>
+          <a:prstGeom prst="rect">
+            <a:avLst/>
+          </a:prstGeom>
+        </p:spPr>
+        <p:txBody>
+          <a:bodyPr vert="horz" lIns="91440" tIns="45720" rIns="91440" bIns="45720" rtlCol="0"/>
+          <a:lstStyle/>
+          <a:p>
+            <a:pPr lvl="0"/>
+            <a:r>
+              <a:rPr lang="en-US"/>
+              <a:t>Click to edit Master text styles</a:t>
+            </a:r>
+          </a:p>
+          <a:p>
+            <a:pPr lvl="1"/>
+            <a:r>
+              <a:rPr lang="en-US"/>
+              <a:t>Second level</a:t>
+            </a:r>
+          </a:p>
+          <a:p>
+            <a:pPr lvl="2"/>
+            <a:r>
+              <a:rPr lang="en-US"/>
+              <a:t>Third level</a:t>
+            </a:r>
+          </a:p>
+          <a:p>
+            <a:pPr lvl="3"/>
+            <a:r>
+              <a:rPr lang="en-US"/>
+              <a:t>Fourth level</a:t>
+            </a:r>
+          </a:p>
+          <a:p>
+            <a:pPr lvl="4"/>
+            <a:r>
+              <a:rPr lang="en-US"/>
+              <a:t>Fifth level</a:t>
+            </a:r>
+          </a:p>
+        </p:txBody>
+      </p:sp>
+      <p:sp>
+        <p:nvSpPr>
+          <p:cNvPr id="6" name="Footer Placeholder 5"/>
+          <p:cNvSpPr>
+            <a:spLocks noGrp="1"/>
+          </p:cNvSpPr>
+          <p:nvPr>
+            <p:ph type="ftr" sz="quarter" idx="4"/>
+          </p:nvPr>
+        </p:nvSpPr>
+        <p:spPr>
+          <a:xfrm>
+            <a:off x="0" y="8685213"/>
+            <a:ext cx="2971800" cy="458787"/>
+          </a:xfrm>
+          <a:prstGeom prst="rect">
+            <a:avLst/>
+          </a:prstGeom>
+        </p:spPr>
+        <p:txBody>
+          <a:bodyPr vert="horz" lIns="91440" tIns="45720" rIns="91440" bIns="45720" rtlCol="0" anchor="b"/>
+          <a:lstStyle>
+            <a:lvl1pPr algn="l">
+              <a:defRPr sz="1200"/>
+            </a:lvl1pPr>
+          </a:lstStyle>
+          <a:p>
+            <a:endParaRPr lang="en-US"/>
+          </a:p>
+        </p:txBody>
+      </p:sp>
+      <p:sp>
+        <p:nvSpPr>
+          <p:cNvPr id="7" name="Slide Number Placeholder 6"/>
+          <p:cNvSpPr>
+            <a:spLocks noGrp="1"/>
+          </p:cNvSpPr>
+          <p:nvPr>
+            <p:ph type="sldNum" sz="quarter" idx="5"/>
+          </p:nvPr>
+        </p:nvSpPr>
+        <p:spPr>
+          <a:xfrm>
+            <a:off x="3884613" y="8685213"/>
+            <a:ext cx="2971800" cy="458787"/>
+          </a:xfrm>
+          <a:prstGeom prst="rect">
+            <a:avLst/>
+          </a:prstGeom>
+        </p:spPr>
+        <p:txBody>
+          <a:bodyPr vert="horz" lIns="91440" tIns="45720" rIns="91440" bIns="45720" rtlCol="0" anchor="b"/>
+          <a:lstStyle>
+            <a:lvl1pPr algn="r">
+              <a:defRPr sz="1200"/>
+            </a:lvl1pPr>
+          </a:lstStyle>
+          <a:p>
+            <a:fld id="{7E211E62-2BF9-254F-9549-42021F27F5F0}" type="slidenum">
+              <a:rPr lang="en-US" smtClean="0"/>
+              <a:t>‹#›</a:t>
+            </a:fld>
+            <a:endParaRPr lang="en-US"/>
+          </a:p>
+        </p:txBody>
+      </p:sp>
+    </p:spTree>
+    <p:extLst>
+      <p:ext uri="{BB962C8B-B14F-4D97-AF65-F5344CB8AC3E}">
+        <p14:creationId xmlns:p14="http://schemas.microsoft.com/office/powerpoint/2010/main" val="202551285"/>
+      </p:ext>
+    </p:extLst>
+  </p:cSld>
+  <p:clrMap bg1="lt1" tx1="dk1" bg2="lt2" tx2="dk2" accent1="accent1" accent2="accent2" accent3="accent3" accent4="accent4" accent5="accent5" accent6="accent6" hlink="hlink" folHlink="folHlink"/>
+  <p:notesStyle>
+    <a:lvl1pPr marL="0" algn="l" defTabSz="914400" rtl="0" eaLnBrk="1" latinLnBrk="0" hangingPunct="1">
+      <a:defRPr sz="1200" kern="1200">
+        <a:solidFill>
+          <a:schemeClr val="tx1"/>
+        </a:solidFill>
+        <a:latin typeface="+mn-lt"/>
+        <a:ea typeface="+mn-ea"/>
+        <a:cs typeface="+mn-cs"/>
+      </a:defRPr>
+    </a:lvl1pPr>
+    <a:lvl2pPr marL="457200" algn="l" defTabSz="914400" rtl="0" eaLnBrk="1" latinLnBrk="0" hangingPunct="1">
+      <a:defRPr sz="1200" kern="1200">
+        <a:solidFill>
+          <a:schemeClr val="tx1"/>
+        </a:solidFill>
+        <a:latin typeface="+mn-lt"/>
+        <a:ea typeface="+mn-ea"/>
+        <a:cs typeface="+mn-cs"/>
+      </a:defRPr>
+    </a:lvl2pPr>
+    <a:lvl3pPr marL="914400" algn="l" defTabSz="914400" rtl="0" eaLnBrk="1" latinLnBrk="0" hangingPunct="1">
+      <a:defRPr sz="1200" kern="1200">
+        <a:solidFill>
+          <a:schemeClr val="tx1"/>
+        </a:solidFill>
+        <a:latin typeface="+mn-lt"/>
+        <a:ea typeface="+mn-ea"/>
+        <a:cs typeface="+mn-cs"/>
+      </a:defRPr>
+    </a:lvl3pPr>
+    <a:lvl4pPr marL="1371600" algn="l" defTabSz="914400" rtl="0" eaLnBrk="1" latinLnBrk="0" hangingPunct="1">
+      <a:defRPr sz="1200" kern="1200">
+        <a:solidFill>
+          <a:schemeClr val="tx1"/>
+        </a:solidFill>
+        <a:latin typeface="+mn-lt"/>
+        <a:ea typeface="+mn-ea"/>
+        <a:cs typeface="+mn-cs"/>
+      </a:defRPr>
+    </a:lvl4pPr>
+    <a:lvl5pPr marL="1828800" algn="l" defTabSz="914400" rtl="0" eaLnBrk="1" latinLnBrk="0" hangingPunct="1">
+      <a:defRPr sz="1200" kern="1200">
+        <a:solidFill>
+          <a:schemeClr val="tx1"/>
+        </a:solidFill>
+        <a:latin typeface="+mn-lt"/>
+        <a:ea typeface="+mn-ea"/>
+        <a:cs typeface="+mn-cs"/>
+      </a:defRPr>
+    </a:lvl5pPr>
+    <a:lvl6pPr marL="2286000" algn="l" defTabSz="914400" rtl="0" eaLnBrk="1" latinLnBrk="0" hangingPunct="1">
+      <a:defRPr sz="1200" kern="1200">
+        <a:solidFill>
+          <a:schemeClr val="tx1"/>
+        </a:solidFill>
+        <a:latin typeface="+mn-lt"/>
+        <a:ea typeface="+mn-ea"/>
+        <a:cs typeface="+mn-cs"/>
+      </a:defRPr>
+    </a:lvl6pPr>
+    <a:lvl7pPr marL="2743200" algn="l" defTabSz="914400" rtl="0" eaLnBrk="1" latinLnBrk="0" hangingPunct="1">
+      <a:defRPr sz="1200" kern="1200">
+        <a:solidFill>
+          <a:schemeClr val="tx1"/>
+        </a:solidFill>
+        <a:latin typeface="+mn-lt"/>
+        <a:ea typeface="+mn-ea"/>
+        <a:cs typeface="+mn-cs"/>
+      </a:defRPr>
+    </a:lvl7pPr>
+    <a:lvl8pPr marL="3200400" algn="l" defTabSz="914400" rtl="0" eaLnBrk="1" latinLnBrk="0" hangingPunct="1">
+      <a:defRPr sz="1200" kern="1200">
+        <a:solidFill>
+          <a:schemeClr val="tx1"/>
+        </a:solidFill>
+        <a:latin typeface="+mn-lt"/>
+        <a:ea typeface="+mn-ea"/>
+        <a:cs typeface="+mn-cs"/>
+      </a:defRPr>
+    </a:lvl8pPr>
+    <a:lvl9pPr marL="3657600" algn="l" defTabSz="914400" rtl="0" eaLnBrk="1" latinLnBrk="0" hangingPunct="1">
+      <a:defRPr sz="1200" kern="1200">
+        <a:solidFill>
+          <a:schemeClr val="tx1"/>
+        </a:solidFill>
+        <a:latin typeface="+mn-lt"/>
+        <a:ea typeface="+mn-ea"/>
+        <a:cs typeface="+mn-cs"/>
+      </a:defRPr>
+    </a:lvl9pPr>
+  </p:notesStyle>
+</p:notesMaster>
+</file>
+
 <file path=ppt/slideLayouts/slideLayout1.xml><?xml version="1.0" encoding="utf-8"?>
 <p:sldLayout xmlns:a="http://schemas.openxmlformats.org/drawingml/2006/main" xmlns:r="http://schemas.openxmlformats.org/officeDocument/2006/relationships" xmlns:p="http://schemas.openxmlformats.org/presentationml/2006/main" type="title" preserve="1">
   <p:cSld name="Title Slide">
@@ -259,9 +613,9 @@
           <a:bodyPr/>
           <a:lstStyle/>
           <a:p>
-            <a:fld id="{474A33F9-7805-414C-98CE-3DCF0C4EE558}" type="datetimeFigureOut">
+            <a:fld id="{FAB43347-1A45-0348-8D27-282DFF69DF87}" type="datetime1">
               <a:rPr lang="en-US" smtClean="0"/>
-              <a:t>8/17/21</a:t>
+              <a:t>9/8/21</a:t>
             </a:fld>
             <a:endParaRPr lang="en-US"/>
           </a:p>
@@ -288,7 +642,10 @@
           <a:bodyPr/>
           <a:lstStyle/>
           <a:p>
-            <a:endParaRPr lang="en-US"/>
+            <a:r>
+              <a:rPr lang="en-US"/>
+              <a:t>DES Short Course - Session 0</a:t>
+            </a:r>
           </a:p>
         </p:txBody>
       </p:sp>
@@ -551,9 +908,9 @@
           <a:bodyPr/>
           <a:lstStyle/>
           <a:p>
-            <a:fld id="{474A33F9-7805-414C-98CE-3DCF0C4EE558}" type="datetimeFigureOut">
+            <a:fld id="{B859038A-4559-A043-83F8-484A32035D35}" type="datetime1">
               <a:rPr lang="en-US" smtClean="0"/>
-              <a:t>8/17/21</a:t>
+              <a:t>9/8/21</a:t>
             </a:fld>
             <a:endParaRPr lang="en-US"/>
           </a:p>
@@ -580,7 +937,10 @@
           <a:bodyPr/>
           <a:lstStyle/>
           <a:p>
-            <a:endParaRPr lang="en-US"/>
+            <a:r>
+              <a:rPr lang="en-US"/>
+              <a:t>DES Short Course - Session 0</a:t>
+            </a:r>
           </a:p>
         </p:txBody>
       </p:sp>
@@ -759,9 +1119,9 @@
           <a:bodyPr/>
           <a:lstStyle/>
           <a:p>
-            <a:fld id="{474A33F9-7805-414C-98CE-3DCF0C4EE558}" type="datetimeFigureOut">
+            <a:fld id="{FC10D9E5-6D5D-8740-9FF5-BC630F487EBD}" type="datetime1">
               <a:rPr lang="en-US" smtClean="0"/>
-              <a:t>8/17/21</a:t>
+              <a:t>9/8/21</a:t>
             </a:fld>
             <a:endParaRPr lang="en-US"/>
           </a:p>
@@ -788,7 +1148,10 @@
           <a:bodyPr/>
           <a:lstStyle/>
           <a:p>
-            <a:endParaRPr lang="en-US"/>
+            <a:r>
+              <a:rPr lang="en-US"/>
+              <a:t>DES Short Course - Session 0</a:t>
+            </a:r>
           </a:p>
         </p:txBody>
       </p:sp>
@@ -967,9 +1330,9 @@
           <a:bodyPr/>
           <a:lstStyle/>
           <a:p>
-            <a:fld id="{474A33F9-7805-414C-98CE-3DCF0C4EE558}" type="datetimeFigureOut">
+            <a:fld id="{2FF48879-BF16-1947-849F-10884869147F}" type="datetime1">
               <a:rPr lang="en-US" smtClean="0"/>
-              <a:t>8/17/21</a:t>
+              <a:t>9/8/21</a:t>
             </a:fld>
             <a:endParaRPr lang="en-US"/>
           </a:p>
@@ -996,7 +1359,10 @@
           <a:bodyPr/>
           <a:lstStyle/>
           <a:p>
-            <a:endParaRPr lang="en-US"/>
+            <a:r>
+              <a:rPr lang="en-US"/>
+              <a:t>DES Short Course - Session 0</a:t>
+            </a:r>
           </a:p>
         </p:txBody>
       </p:sp>
@@ -1336,9 +1702,9 @@
           <a:bodyPr/>
           <a:lstStyle/>
           <a:p>
-            <a:fld id="{474A33F9-7805-414C-98CE-3DCF0C4EE558}" type="datetimeFigureOut">
+            <a:fld id="{95029766-C8B2-FD44-80C6-772103C105F0}" type="datetime1">
               <a:rPr lang="en-US" smtClean="0"/>
-              <a:t>8/17/21</a:t>
+              <a:t>9/8/21</a:t>
             </a:fld>
             <a:endParaRPr lang="en-US"/>
           </a:p>
@@ -1365,7 +1731,10 @@
           <a:bodyPr/>
           <a:lstStyle/>
           <a:p>
-            <a:endParaRPr lang="en-US"/>
+            <a:r>
+              <a:rPr lang="en-US"/>
+              <a:t>DES Short Course - Session 0</a:t>
+            </a:r>
           </a:p>
         </p:txBody>
       </p:sp>
@@ -1601,9 +1970,9 @@
           <a:bodyPr/>
           <a:lstStyle/>
           <a:p>
-            <a:fld id="{474A33F9-7805-414C-98CE-3DCF0C4EE558}" type="datetimeFigureOut">
+            <a:fld id="{6A327911-9655-6845-8DAF-D4CB46F6038E}" type="datetime1">
               <a:rPr lang="en-US" smtClean="0"/>
-              <a:t>8/17/21</a:t>
+              <a:t>9/8/21</a:t>
             </a:fld>
             <a:endParaRPr lang="en-US"/>
           </a:p>
@@ -1630,7 +1999,10 @@
           <a:bodyPr/>
           <a:lstStyle/>
           <a:p>
-            <a:endParaRPr lang="en-US"/>
+            <a:r>
+              <a:rPr lang="en-US"/>
+              <a:t>DES Short Course - Session 0</a:t>
+            </a:r>
           </a:p>
         </p:txBody>
       </p:sp>
@@ -2013,9 +2385,9 @@
           <a:bodyPr/>
           <a:lstStyle/>
           <a:p>
-            <a:fld id="{474A33F9-7805-414C-98CE-3DCF0C4EE558}" type="datetimeFigureOut">
+            <a:fld id="{1E4E6C93-58A5-7C40-BE1A-EF1742DA8D0A}" type="datetime1">
               <a:rPr lang="en-US" smtClean="0"/>
-              <a:t>8/17/21</a:t>
+              <a:t>9/8/21</a:t>
             </a:fld>
             <a:endParaRPr lang="en-US"/>
           </a:p>
@@ -2042,7 +2414,10 @@
           <a:bodyPr/>
           <a:lstStyle/>
           <a:p>
-            <a:endParaRPr lang="en-US"/>
+            <a:r>
+              <a:rPr lang="en-US"/>
+              <a:t>DES Short Course - Session 0</a:t>
+            </a:r>
           </a:p>
         </p:txBody>
       </p:sp>
@@ -2163,9 +2538,9 @@
           <a:bodyPr/>
           <a:lstStyle/>
           <a:p>
-            <a:fld id="{474A33F9-7805-414C-98CE-3DCF0C4EE558}" type="datetimeFigureOut">
+            <a:fld id="{7DF5BC3B-1B1F-F241-818B-46DA848B670C}" type="datetime1">
               <a:rPr lang="en-US" smtClean="0"/>
-              <a:t>8/17/21</a:t>
+              <a:t>9/8/21</a:t>
             </a:fld>
             <a:endParaRPr lang="en-US"/>
           </a:p>
@@ -2192,7 +2567,10 @@
           <a:bodyPr/>
           <a:lstStyle/>
           <a:p>
-            <a:endParaRPr lang="en-US"/>
+            <a:r>
+              <a:rPr lang="en-US"/>
+              <a:t>DES Short Course - Session 0</a:t>
+            </a:r>
           </a:p>
         </p:txBody>
       </p:sp>
@@ -2370,9 +2748,9 @@
           <a:bodyPr/>
           <a:lstStyle/>
           <a:p>
-            <a:fld id="{474A33F9-7805-414C-98CE-3DCF0C4EE558}" type="datetimeFigureOut">
+            <a:fld id="{EDDCF906-3C74-8C43-8888-575300BA9E60}" type="datetime1">
               <a:rPr lang="en-US" smtClean="0"/>
-              <a:t>8/17/21</a:t>
+              <a:t>9/8/21</a:t>
             </a:fld>
             <a:endParaRPr lang="en-US"/>
           </a:p>
@@ -2399,7 +2777,10 @@
           <a:bodyPr/>
           <a:lstStyle/>
           <a:p>
-            <a:endParaRPr lang="en-US"/>
+            <a:r>
+              <a:rPr lang="en-US"/>
+              <a:t>DES Short Course - Session 0</a:t>
+            </a:r>
           </a:p>
         </p:txBody>
       </p:sp>
@@ -2775,9 +3156,9 @@
           <a:bodyPr/>
           <a:lstStyle/>
           <a:p>
-            <a:fld id="{474A33F9-7805-414C-98CE-3DCF0C4EE558}" type="datetimeFigureOut">
+            <a:fld id="{88531A06-884C-7749-875D-A6D0CA4F93DD}" type="datetime1">
               <a:rPr lang="en-US" smtClean="0"/>
-              <a:t>8/17/21</a:t>
+              <a:t>9/8/21</a:t>
             </a:fld>
             <a:endParaRPr lang="en-US"/>
           </a:p>
@@ -2804,7 +3185,10 @@
           <a:bodyPr/>
           <a:lstStyle/>
           <a:p>
-            <a:endParaRPr lang="en-US"/>
+            <a:r>
+              <a:rPr lang="en-US"/>
+              <a:t>DES Short Course - Session 0</a:t>
+            </a:r>
           </a:p>
         </p:txBody>
       </p:sp>
@@ -3066,9 +3450,9 @@
           <a:bodyPr/>
           <a:lstStyle/>
           <a:p>
-            <a:fld id="{474A33F9-7805-414C-98CE-3DCF0C4EE558}" type="datetimeFigureOut">
+            <a:fld id="{60543B2B-C932-E54D-A182-84AACB0B4B1F}" type="datetime1">
               <a:rPr lang="en-US" smtClean="0"/>
-              <a:t>8/17/21</a:t>
+              <a:t>9/8/21</a:t>
             </a:fld>
             <a:endParaRPr lang="en-US"/>
           </a:p>
@@ -3095,7 +3479,10 @@
           <a:bodyPr/>
           <a:lstStyle/>
           <a:p>
-            <a:endParaRPr lang="en-US"/>
+            <a:r>
+              <a:rPr lang="en-US"/>
+              <a:t>DES Short Course - Session 0</a:t>
+            </a:r>
           </a:p>
         </p:txBody>
       </p:sp>
@@ -3307,9 +3694,9 @@
             </a:lvl1pPr>
           </a:lstStyle>
           <a:p>
-            <a:fld id="{474A33F9-7805-414C-98CE-3DCF0C4EE558}" type="datetimeFigureOut">
+            <a:fld id="{6276C210-610A-7645-91EA-BBB80A6484C8}" type="datetime1">
               <a:rPr lang="en-US" smtClean="0"/>
-              <a:t>8/17/21</a:t>
+              <a:t>9/8/21</a:t>
             </a:fld>
             <a:endParaRPr lang="en-US"/>
           </a:p>
@@ -3354,7 +3741,10 @@
             </a:lvl1pPr>
           </a:lstStyle>
           <a:p>
-            <a:endParaRPr lang="en-US"/>
+            <a:r>
+              <a:rPr lang="en-US"/>
+              <a:t>DES Short Course - Session 0</a:t>
+            </a:r>
           </a:p>
         </p:txBody>
       </p:sp>
@@ -3426,6 +3816,7 @@
     <p:sldLayoutId id="2147483658" r:id="rId10"/>
     <p:sldLayoutId id="2147483659" r:id="rId11"/>
   </p:sldLayoutIdLst>
+  <p:hf hdr="0" dt="0"/>
   <p:txStyles>
     <p:titleStyle>
       <a:lvl1pPr algn="l" defTabSz="914400" rtl="0" eaLnBrk="1" latinLnBrk="0" hangingPunct="1">
@@ -3945,6 +4336,63 @@
           </a:p>
         </p:txBody>
       </p:sp>
+      <p:sp>
+        <p:nvSpPr>
+          <p:cNvPr id="4" name="Footer Placeholder 3">
+            <a:extLst>
+              <a:ext uri="{FF2B5EF4-FFF2-40B4-BE49-F238E27FC236}">
+                <a16:creationId xmlns:a16="http://schemas.microsoft.com/office/drawing/2014/main" id="{6570E149-0590-3540-9FE2-A9159EEE80A1}"/>
+              </a:ext>
+            </a:extLst>
+          </p:cNvPr>
+          <p:cNvSpPr>
+            <a:spLocks noGrp="1"/>
+          </p:cNvSpPr>
+          <p:nvPr>
+            <p:ph type="ftr" sz="quarter" idx="11"/>
+          </p:nvPr>
+        </p:nvSpPr>
+        <p:spPr/>
+        <p:txBody>
+          <a:bodyPr/>
+          <a:lstStyle/>
+          <a:p>
+            <a:r>
+              <a:rPr lang="en-US"/>
+              <a:t>DES Short Course - Session 0</a:t>
+            </a:r>
+          </a:p>
+        </p:txBody>
+      </p:sp>
+      <p:sp>
+        <p:nvSpPr>
+          <p:cNvPr id="5" name="Slide Number Placeholder 4">
+            <a:extLst>
+              <a:ext uri="{FF2B5EF4-FFF2-40B4-BE49-F238E27FC236}">
+                <a16:creationId xmlns:a16="http://schemas.microsoft.com/office/drawing/2014/main" id="{0633437E-ADBF-EE46-8249-4368C627B734}"/>
+              </a:ext>
+            </a:extLst>
+          </p:cNvPr>
+          <p:cNvSpPr>
+            <a:spLocks noGrp="1"/>
+          </p:cNvSpPr>
+          <p:nvPr>
+            <p:ph type="sldNum" sz="quarter" idx="12"/>
+          </p:nvPr>
+        </p:nvSpPr>
+        <p:spPr/>
+        <p:txBody>
+          <a:bodyPr/>
+          <a:lstStyle/>
+          <a:p>
+            <a:fld id="{7B5F8CF4-080C-6448-A4C0-B6A3C5CD13C0}" type="slidenum">
+              <a:rPr lang="en-US" smtClean="0"/>
+              <a:t>2</a:t>
+            </a:fld>
+            <a:endParaRPr lang="en-US"/>
+          </a:p>
+        </p:txBody>
+      </p:sp>
     </p:spTree>
     <p:extLst>
       <p:ext uri="{BB962C8B-B14F-4D97-AF65-F5344CB8AC3E}">
@@ -4081,10 +4529,432 @@
           </a:p>
         </p:txBody>
       </p:sp>
+      <p:sp>
+        <p:nvSpPr>
+          <p:cNvPr id="4" name="Footer Placeholder 3">
+            <a:extLst>
+              <a:ext uri="{FF2B5EF4-FFF2-40B4-BE49-F238E27FC236}">
+                <a16:creationId xmlns:a16="http://schemas.microsoft.com/office/drawing/2014/main" id="{1E78CEDA-4441-9A49-9B32-3FABC0FC8D75}"/>
+              </a:ext>
+            </a:extLst>
+          </p:cNvPr>
+          <p:cNvSpPr>
+            <a:spLocks noGrp="1"/>
+          </p:cNvSpPr>
+          <p:nvPr>
+            <p:ph type="ftr" sz="quarter" idx="11"/>
+          </p:nvPr>
+        </p:nvSpPr>
+        <p:spPr/>
+        <p:txBody>
+          <a:bodyPr/>
+          <a:lstStyle/>
+          <a:p>
+            <a:r>
+              <a:rPr lang="en-US"/>
+              <a:t>DES Short Course - Session 0</a:t>
+            </a:r>
+          </a:p>
+        </p:txBody>
+      </p:sp>
+      <p:sp>
+        <p:nvSpPr>
+          <p:cNvPr id="5" name="Slide Number Placeholder 4">
+            <a:extLst>
+              <a:ext uri="{FF2B5EF4-FFF2-40B4-BE49-F238E27FC236}">
+                <a16:creationId xmlns:a16="http://schemas.microsoft.com/office/drawing/2014/main" id="{88C062D2-5362-E94C-8FD7-9090D9D41E99}"/>
+              </a:ext>
+            </a:extLst>
+          </p:cNvPr>
+          <p:cNvSpPr>
+            <a:spLocks noGrp="1"/>
+          </p:cNvSpPr>
+          <p:nvPr>
+            <p:ph type="sldNum" sz="quarter" idx="12"/>
+          </p:nvPr>
+        </p:nvSpPr>
+        <p:spPr/>
+        <p:txBody>
+          <a:bodyPr/>
+          <a:lstStyle/>
+          <a:p>
+            <a:fld id="{7B5F8CF4-080C-6448-A4C0-B6A3C5CD13C0}" type="slidenum">
+              <a:rPr lang="en-US" smtClean="0"/>
+              <a:t>3</a:t>
+            </a:fld>
+            <a:endParaRPr lang="en-US"/>
+          </a:p>
+        </p:txBody>
+      </p:sp>
     </p:spTree>
     <p:extLst>
       <p:ext uri="{BB962C8B-B14F-4D97-AF65-F5344CB8AC3E}">
         <p14:creationId xmlns:p14="http://schemas.microsoft.com/office/powerpoint/2010/main" val="1656985278"/>
+      </p:ext>
+    </p:extLst>
+  </p:cSld>
+  <p:clrMapOvr>
+    <a:masterClrMapping/>
+  </p:clrMapOvr>
+</p:sld>
+</file>
+
+<file path=ppt/slides/slide4.xml><?xml version="1.0" encoding="utf-8"?>
+<p:sld xmlns:a="http://schemas.openxmlformats.org/drawingml/2006/main" xmlns:r="http://schemas.openxmlformats.org/officeDocument/2006/relationships" xmlns:p="http://schemas.openxmlformats.org/presentationml/2006/main">
+  <p:cSld>
+    <p:spTree>
+      <p:nvGrpSpPr>
+        <p:cNvPr id="1" name=""/>
+        <p:cNvGrpSpPr/>
+        <p:nvPr/>
+      </p:nvGrpSpPr>
+      <p:grpSpPr>
+        <a:xfrm>
+          <a:off x="0" y="0"/>
+          <a:ext cx="0" cy="0"/>
+          <a:chOff x="0" y="0"/>
+          <a:chExt cx="0" cy="0"/>
+        </a:xfrm>
+      </p:grpSpPr>
+      <p:sp>
+        <p:nvSpPr>
+          <p:cNvPr id="2" name="Title 1">
+            <a:extLst>
+              <a:ext uri="{FF2B5EF4-FFF2-40B4-BE49-F238E27FC236}">
+                <a16:creationId xmlns:a16="http://schemas.microsoft.com/office/drawing/2014/main" id="{1B4C0459-99D0-1342-9864-E356EE532336}"/>
+              </a:ext>
+            </a:extLst>
+          </p:cNvPr>
+          <p:cNvSpPr>
+            <a:spLocks noGrp="1"/>
+          </p:cNvSpPr>
+          <p:nvPr>
+            <p:ph type="title"/>
+          </p:nvPr>
+        </p:nvSpPr>
+        <p:spPr/>
+        <p:txBody>
+          <a:bodyPr/>
+          <a:lstStyle/>
+          <a:p>
+            <a:r>
+              <a:rPr lang="en-US" dirty="0"/>
+              <a:t>Overview of Short Course</a:t>
+            </a:r>
+          </a:p>
+        </p:txBody>
+      </p:sp>
+      <p:sp>
+        <p:nvSpPr>
+          <p:cNvPr id="3" name="Content Placeholder 2">
+            <a:extLst>
+              <a:ext uri="{FF2B5EF4-FFF2-40B4-BE49-F238E27FC236}">
+                <a16:creationId xmlns:a16="http://schemas.microsoft.com/office/drawing/2014/main" id="{F45C6882-D832-EC4B-A9B6-619BF041D7A7}"/>
+              </a:ext>
+            </a:extLst>
+          </p:cNvPr>
+          <p:cNvSpPr>
+            <a:spLocks noGrp="1"/>
+          </p:cNvSpPr>
+          <p:nvPr>
+            <p:ph idx="1"/>
+          </p:nvPr>
+        </p:nvSpPr>
+        <p:spPr/>
+        <p:txBody>
+          <a:bodyPr>
+            <a:normAutofit lnSpcReduction="10000"/>
+          </a:bodyPr>
+          <a:lstStyle/>
+          <a:p>
+            <a:r>
+              <a:rPr lang="en-US" dirty="0"/>
+              <a:t>Structure of Discrete Event Simulation (DES)</a:t>
+            </a:r>
+          </a:p>
+          <a:p>
+            <a:r>
+              <a:rPr lang="en-US" dirty="0"/>
+              <a:t>Tally vs Time-Average Means</a:t>
+            </a:r>
+          </a:p>
+          <a:p>
+            <a:r>
+              <a:rPr lang="en-US" dirty="0"/>
+              <a:t>Event Graph Methodology</a:t>
+            </a:r>
+          </a:p>
+          <a:p>
+            <a:r>
+              <a:rPr lang="en-US" dirty="0"/>
+              <a:t>Examples of Event Graph Models</a:t>
+            </a:r>
+          </a:p>
+          <a:p>
+            <a:r>
+              <a:rPr lang="en-US" dirty="0"/>
+              <a:t>Implementing Event Graph models in Simkit</a:t>
+            </a:r>
+          </a:p>
+          <a:p>
+            <a:r>
+              <a:rPr lang="en-US" dirty="0"/>
+              <a:t>Random Variate Generation</a:t>
+            </a:r>
+          </a:p>
+          <a:p>
+            <a:r>
+              <a:rPr lang="en-US" dirty="0"/>
+              <a:t>Simple Output Analysis</a:t>
+            </a:r>
+          </a:p>
+          <a:p>
+            <a:r>
+              <a:rPr lang="en-US" dirty="0"/>
+              <a:t>Transient vs Steady-State</a:t>
+            </a:r>
+          </a:p>
+          <a:p>
+            <a:r>
+              <a:rPr lang="en-US" dirty="0"/>
+              <a:t>Confidence Intervals</a:t>
+            </a:r>
+          </a:p>
+        </p:txBody>
+      </p:sp>
+      <p:sp>
+        <p:nvSpPr>
+          <p:cNvPr id="4" name="Footer Placeholder 3">
+            <a:extLst>
+              <a:ext uri="{FF2B5EF4-FFF2-40B4-BE49-F238E27FC236}">
+                <a16:creationId xmlns:a16="http://schemas.microsoft.com/office/drawing/2014/main" id="{8B756228-CCF1-3A4B-8A66-7D0FDB656450}"/>
+              </a:ext>
+            </a:extLst>
+          </p:cNvPr>
+          <p:cNvSpPr>
+            <a:spLocks noGrp="1"/>
+          </p:cNvSpPr>
+          <p:nvPr>
+            <p:ph type="ftr" sz="quarter" idx="11"/>
+          </p:nvPr>
+        </p:nvSpPr>
+        <p:spPr/>
+        <p:txBody>
+          <a:bodyPr/>
+          <a:lstStyle/>
+          <a:p>
+            <a:r>
+              <a:rPr lang="en-US"/>
+              <a:t>DES Short Course - Session 0</a:t>
+            </a:r>
+          </a:p>
+        </p:txBody>
+      </p:sp>
+      <p:sp>
+        <p:nvSpPr>
+          <p:cNvPr id="5" name="Slide Number Placeholder 4">
+            <a:extLst>
+              <a:ext uri="{FF2B5EF4-FFF2-40B4-BE49-F238E27FC236}">
+                <a16:creationId xmlns:a16="http://schemas.microsoft.com/office/drawing/2014/main" id="{36FF7C12-17C2-0749-B728-3423004D3553}"/>
+              </a:ext>
+            </a:extLst>
+          </p:cNvPr>
+          <p:cNvSpPr>
+            <a:spLocks noGrp="1"/>
+          </p:cNvSpPr>
+          <p:nvPr>
+            <p:ph type="sldNum" sz="quarter" idx="12"/>
+          </p:nvPr>
+        </p:nvSpPr>
+        <p:spPr/>
+        <p:txBody>
+          <a:bodyPr/>
+          <a:lstStyle/>
+          <a:p>
+            <a:fld id="{7B5F8CF4-080C-6448-A4C0-B6A3C5CD13C0}" type="slidenum">
+              <a:rPr lang="en-US" smtClean="0"/>
+              <a:t>4</a:t>
+            </a:fld>
+            <a:endParaRPr lang="en-US"/>
+          </a:p>
+        </p:txBody>
+      </p:sp>
+    </p:spTree>
+    <p:extLst>
+      <p:ext uri="{BB962C8B-B14F-4D97-AF65-F5344CB8AC3E}">
+        <p14:creationId xmlns:p14="http://schemas.microsoft.com/office/powerpoint/2010/main" val="1620283842"/>
+      </p:ext>
+    </p:extLst>
+  </p:cSld>
+  <p:clrMapOvr>
+    <a:masterClrMapping/>
+  </p:clrMapOvr>
+</p:sld>
+</file>
+
+<file path=ppt/slides/slide5.xml><?xml version="1.0" encoding="utf-8"?>
+<p:sld xmlns:a="http://schemas.openxmlformats.org/drawingml/2006/main" xmlns:r="http://schemas.openxmlformats.org/officeDocument/2006/relationships" xmlns:p="http://schemas.openxmlformats.org/presentationml/2006/main">
+  <p:cSld>
+    <p:spTree>
+      <p:nvGrpSpPr>
+        <p:cNvPr id="1" name=""/>
+        <p:cNvGrpSpPr/>
+        <p:nvPr/>
+      </p:nvGrpSpPr>
+      <p:grpSpPr>
+        <a:xfrm>
+          <a:off x="0" y="0"/>
+          <a:ext cx="0" cy="0"/>
+          <a:chOff x="0" y="0"/>
+          <a:chExt cx="0" cy="0"/>
+        </a:xfrm>
+      </p:grpSpPr>
+      <p:sp>
+        <p:nvSpPr>
+          <p:cNvPr id="2" name="Title 1">
+            <a:extLst>
+              <a:ext uri="{FF2B5EF4-FFF2-40B4-BE49-F238E27FC236}">
+                <a16:creationId xmlns:a16="http://schemas.microsoft.com/office/drawing/2014/main" id="{28CBAD85-B1EF-174D-8465-B8F79CE928BE}"/>
+              </a:ext>
+            </a:extLst>
+          </p:cNvPr>
+          <p:cNvSpPr>
+            <a:spLocks noGrp="1"/>
+          </p:cNvSpPr>
+          <p:nvPr>
+            <p:ph type="title"/>
+          </p:nvPr>
+        </p:nvSpPr>
+        <p:spPr/>
+        <p:txBody>
+          <a:bodyPr/>
+          <a:lstStyle/>
+          <a:p>
+            <a:r>
+              <a:rPr lang="en-US" dirty="0"/>
+              <a:t>Course Procedures</a:t>
+            </a:r>
+          </a:p>
+        </p:txBody>
+      </p:sp>
+      <p:sp>
+        <p:nvSpPr>
+          <p:cNvPr id="3" name="Content Placeholder 2">
+            <a:extLst>
+              <a:ext uri="{FF2B5EF4-FFF2-40B4-BE49-F238E27FC236}">
+                <a16:creationId xmlns:a16="http://schemas.microsoft.com/office/drawing/2014/main" id="{BBA089A0-6F7B-8943-82DD-6C3F75670363}"/>
+              </a:ext>
+            </a:extLst>
+          </p:cNvPr>
+          <p:cNvSpPr>
+            <a:spLocks noGrp="1"/>
+          </p:cNvSpPr>
+          <p:nvPr>
+            <p:ph idx="1"/>
+          </p:nvPr>
+        </p:nvSpPr>
+        <p:spPr/>
+        <p:txBody>
+          <a:bodyPr/>
+          <a:lstStyle/>
+          <a:p>
+            <a:r>
+              <a:rPr lang="en-US" dirty="0"/>
+              <a:t>Will use </a:t>
+            </a:r>
+            <a:r>
+              <a:rPr lang="en-US" dirty="0" err="1"/>
+              <a:t>Zoomgov</a:t>
+            </a:r>
+            <a:endParaRPr lang="en-US" dirty="0"/>
+          </a:p>
+          <a:p>
+            <a:r>
+              <a:rPr lang="en-US" dirty="0"/>
+              <a:t>Sessions will be recorded</a:t>
+            </a:r>
+          </a:p>
+          <a:p>
+            <a:r>
+              <a:rPr lang="en-US" dirty="0"/>
+              <a:t>Please jump in with any questions</a:t>
+            </a:r>
+          </a:p>
+          <a:p>
+            <a:r>
+              <a:rPr lang="en-US" dirty="0"/>
+              <a:t>No programming required!</a:t>
+            </a:r>
+          </a:p>
+          <a:p>
+            <a:r>
+              <a:rPr lang="en-US" dirty="0"/>
+              <a:t>Will have homework problems</a:t>
+            </a:r>
+          </a:p>
+        </p:txBody>
+      </p:sp>
+      <p:sp>
+        <p:nvSpPr>
+          <p:cNvPr id="4" name="Footer Placeholder 3">
+            <a:extLst>
+              <a:ext uri="{FF2B5EF4-FFF2-40B4-BE49-F238E27FC236}">
+                <a16:creationId xmlns:a16="http://schemas.microsoft.com/office/drawing/2014/main" id="{A6AD90ED-D9A2-4B43-9BAF-9076729B1FCC}"/>
+              </a:ext>
+            </a:extLst>
+          </p:cNvPr>
+          <p:cNvSpPr>
+            <a:spLocks noGrp="1"/>
+          </p:cNvSpPr>
+          <p:nvPr>
+            <p:ph type="ftr" sz="quarter" idx="11"/>
+          </p:nvPr>
+        </p:nvSpPr>
+        <p:spPr/>
+        <p:txBody>
+          <a:bodyPr/>
+          <a:lstStyle/>
+          <a:p>
+            <a:r>
+              <a:rPr lang="en-US"/>
+              <a:t>DES Short Course - Session 0</a:t>
+            </a:r>
+          </a:p>
+        </p:txBody>
+      </p:sp>
+      <p:sp>
+        <p:nvSpPr>
+          <p:cNvPr id="5" name="Slide Number Placeholder 4">
+            <a:extLst>
+              <a:ext uri="{FF2B5EF4-FFF2-40B4-BE49-F238E27FC236}">
+                <a16:creationId xmlns:a16="http://schemas.microsoft.com/office/drawing/2014/main" id="{74B00805-7A28-004E-AF1F-65FD8D5DCEAD}"/>
+              </a:ext>
+            </a:extLst>
+          </p:cNvPr>
+          <p:cNvSpPr>
+            <a:spLocks noGrp="1"/>
+          </p:cNvSpPr>
+          <p:nvPr>
+            <p:ph type="sldNum" sz="quarter" idx="12"/>
+          </p:nvPr>
+        </p:nvSpPr>
+        <p:spPr/>
+        <p:txBody>
+          <a:bodyPr/>
+          <a:lstStyle/>
+          <a:p>
+            <a:fld id="{7B5F8CF4-080C-6448-A4C0-B6A3C5CD13C0}" type="slidenum">
+              <a:rPr lang="en-US" smtClean="0"/>
+              <a:t>5</a:t>
+            </a:fld>
+            <a:endParaRPr lang="en-US"/>
+          </a:p>
+        </p:txBody>
+      </p:sp>
+    </p:spTree>
+    <p:extLst>
+      <p:ext uri="{BB962C8B-B14F-4D97-AF65-F5344CB8AC3E}">
+        <p14:creationId xmlns:p14="http://schemas.microsoft.com/office/powerpoint/2010/main" val="1231016776"/>
       </p:ext>
     </p:extLst>
   </p:cSld>
@@ -4387,4 +5257,299 @@
     </a:ext>
   </a:extLst>
 </a:theme>
+</file>
+
+<file path=ppt/theme/theme2.xml><?xml version="1.0" encoding="utf-8"?>
+<a:theme xmlns:a="http://schemas.openxmlformats.org/drawingml/2006/main" name="Office Theme">
+  <a:themeElements>
+    <a:clrScheme name="Office">
+      <a:dk1>
+        <a:sysClr val="windowText" lastClr="000000"/>
+      </a:dk1>
+      <a:lt1>
+        <a:sysClr val="window" lastClr="FFFFFF"/>
+      </a:lt1>
+      <a:dk2>
+        <a:srgbClr val="44546A"/>
+      </a:dk2>
+      <a:lt2>
+        <a:srgbClr val="E7E6E6"/>
+      </a:lt2>
+      <a:accent1>
+        <a:srgbClr val="4472C4"/>
+      </a:accent1>
+      <a:accent2>
+        <a:srgbClr val="ED7D31"/>
+      </a:accent2>
+      <a:accent3>
+        <a:srgbClr val="A5A5A5"/>
+      </a:accent3>
+      <a:accent4>
+        <a:srgbClr val="FFC000"/>
+      </a:accent4>
+      <a:accent5>
+        <a:srgbClr val="5B9BD5"/>
+      </a:accent5>
+      <a:accent6>
+        <a:srgbClr val="70AD47"/>
+      </a:accent6>
+      <a:hlink>
+        <a:srgbClr val="0563C1"/>
+      </a:hlink>
+      <a:folHlink>
+        <a:srgbClr val="954F72"/>
+      </a:folHlink>
+    </a:clrScheme>
+    <a:fontScheme name="Office">
+      <a:majorFont>
+        <a:latin typeface="Calibri Light" panose="020F0302020204030204"/>
+        <a:ea typeface=""/>
+        <a:cs typeface=""/>
+        <a:font script="Jpan" typeface="游ゴシック Light"/>
+        <a:font script="Hang" typeface="맑은 고딕"/>
+        <a:font script="Hans" typeface="等线 Light"/>
+        <a:font script="Hant" typeface="新細明體"/>
+        <a:font script="Arab" typeface="Times New Roman"/>
+        <a:font script="Hebr" typeface="Times New Roman"/>
+        <a:font script="Thai" typeface="Angsana New"/>
+        <a:font script="Ethi" typeface="Nyala"/>
+        <a:font script="Beng" typeface="Vrinda"/>
+        <a:font script="Gujr" typeface="Shruti"/>
+        <a:font script="Khmr" typeface="MoolBoran"/>
+        <a:font script="Knda" typeface="Tunga"/>
+        <a:font script="Guru" typeface="Raavi"/>
+        <a:font script="Cans" typeface="Euphemia"/>
+        <a:font script="Cher" typeface="Plantagenet Cherokee"/>
+        <a:font script="Yiii" typeface="Microsoft Yi Baiti"/>
+        <a:font script="Tibt" typeface="Microsoft Himalaya"/>
+        <a:font script="Thaa" typeface="MV Boli"/>
+        <a:font script="Deva" typeface="Mangal"/>
+        <a:font script="Telu" typeface="Gautami"/>
+        <a:font script="Taml" typeface="Latha"/>
+        <a:font script="Syrc" typeface="Estrangelo Edessa"/>
+        <a:font script="Orya" typeface="Kalinga"/>
+        <a:font script="Mlym" typeface="Kartika"/>
+        <a:font script="Laoo" typeface="DokChampa"/>
+        <a:font script="Sinh" typeface="Iskoola Pota"/>
+        <a:font script="Mong" typeface="Mongolian Baiti"/>
+        <a:font script="Viet" typeface="Times New Roman"/>
+        <a:font script="Uigh" typeface="Microsoft Uighur"/>
+        <a:font script="Geor" typeface="Sylfaen"/>
+        <a:font script="Armn" typeface="Arial"/>
+        <a:font script="Bugi" typeface="Leelawadee UI"/>
+        <a:font script="Bopo" typeface="Microsoft JhengHei"/>
+        <a:font script="Java" typeface="Javanese Text"/>
+        <a:font script="Lisu" typeface="Segoe UI"/>
+        <a:font script="Mymr" typeface="Myanmar Text"/>
+        <a:font script="Nkoo" typeface="Ebrima"/>
+        <a:font script="Olck" typeface="Nirmala UI"/>
+        <a:font script="Osma" typeface="Ebrima"/>
+        <a:font script="Phag" typeface="Phagspa"/>
+        <a:font script="Syrn" typeface="Estrangelo Edessa"/>
+        <a:font script="Syrj" typeface="Estrangelo Edessa"/>
+        <a:font script="Syre" typeface="Estrangelo Edessa"/>
+        <a:font script="Sora" typeface="Nirmala UI"/>
+        <a:font script="Tale" typeface="Microsoft Tai Le"/>
+        <a:font script="Talu" typeface="Microsoft New Tai Lue"/>
+        <a:font script="Tfng" typeface="Ebrima"/>
+      </a:majorFont>
+      <a:minorFont>
+        <a:latin typeface="Calibri" panose="020F0502020204030204"/>
+        <a:ea typeface=""/>
+        <a:cs typeface=""/>
+        <a:font script="Jpan" typeface="游ゴシック"/>
+        <a:font script="Hang" typeface="맑은 고딕"/>
+        <a:font script="Hans" typeface="等线"/>
+        <a:font script="Hant" typeface="新細明體"/>
+        <a:font script="Arab" typeface="Arial"/>
+        <a:font script="Hebr" typeface="Arial"/>
+        <a:font script="Thai" typeface="Cordia New"/>
+        <a:font script="Ethi" typeface="Nyala"/>
+        <a:font script="Beng" typeface="Vrinda"/>
+        <a:font script="Gujr" typeface="Shruti"/>
+        <a:font script="Khmr" typeface="DaunPenh"/>
+        <a:font script="Knda" typeface="Tunga"/>
+        <a:font script="Guru" typeface="Raavi"/>
+        <a:font script="Cans" typeface="Euphemia"/>
+        <a:font script="Cher" typeface="Plantagenet Cherokee"/>
+        <a:font script="Yiii" typeface="Microsoft Yi Baiti"/>
+        <a:font script="Tibt" typeface="Microsoft Himalaya"/>
+        <a:font script="Thaa" typeface="MV Boli"/>
+        <a:font script="Deva" typeface="Mangal"/>
+        <a:font script="Telu" typeface="Gautami"/>
+        <a:font script="Taml" typeface="Latha"/>
+        <a:font script="Syrc" typeface="Estrangelo Edessa"/>
+        <a:font script="Orya" typeface="Kalinga"/>
+        <a:font script="Mlym" typeface="Kartika"/>
+        <a:font script="Laoo" typeface="DokChampa"/>
+        <a:font script="Sinh" typeface="Iskoola Pota"/>
+        <a:font script="Mong" typeface="Mongolian Baiti"/>
+        <a:font script="Viet" typeface="Arial"/>
+        <a:font script="Uigh" typeface="Microsoft Uighur"/>
+        <a:font script="Geor" typeface="Sylfaen"/>
+        <a:font script="Armn" typeface="Arial"/>
+        <a:font script="Bugi" typeface="Leelawadee UI"/>
+        <a:font script="Bopo" typeface="Microsoft JhengHei"/>
+        <a:font script="Java" typeface="Javanese Text"/>
+        <a:font script="Lisu" typeface="Segoe UI"/>
+        <a:font script="Mymr" typeface="Myanmar Text"/>
+        <a:font script="Nkoo" typeface="Ebrima"/>
+        <a:font script="Olck" typeface="Nirmala UI"/>
+        <a:font script="Osma" typeface="Ebrima"/>
+        <a:font script="Phag" typeface="Phagspa"/>
+        <a:font script="Syrn" typeface="Estrangelo Edessa"/>
+        <a:font script="Syrj" typeface="Estrangelo Edessa"/>
+        <a:font script="Syre" typeface="Estrangelo Edessa"/>
+        <a:font script="Sora" typeface="Nirmala UI"/>
+        <a:font script="Tale" typeface="Microsoft Tai Le"/>
+        <a:font script="Talu" typeface="Microsoft New Tai Lue"/>
+        <a:font script="Tfng" typeface="Ebrima"/>
+      </a:minorFont>
+    </a:fontScheme>
+    <a:fmtScheme name="Office">
+      <a:fillStyleLst>
+        <a:solidFill>
+          <a:schemeClr val="phClr"/>
+        </a:solidFill>
+        <a:gradFill rotWithShape="1">
+          <a:gsLst>
+            <a:gs pos="0">
+              <a:schemeClr val="phClr">
+                <a:lumMod val="110000"/>
+                <a:satMod val="105000"/>
+                <a:tint val="67000"/>
+              </a:schemeClr>
+            </a:gs>
+            <a:gs pos="50000">
+              <a:schemeClr val="phClr">
+                <a:lumMod val="105000"/>
+                <a:satMod val="103000"/>
+                <a:tint val="73000"/>
+              </a:schemeClr>
+            </a:gs>
+            <a:gs pos="100000">
+              <a:schemeClr val="phClr">
+                <a:lumMod val="105000"/>
+                <a:satMod val="109000"/>
+                <a:tint val="81000"/>
+              </a:schemeClr>
+            </a:gs>
+          </a:gsLst>
+          <a:lin ang="5400000" scaled="0"/>
+        </a:gradFill>
+        <a:gradFill rotWithShape="1">
+          <a:gsLst>
+            <a:gs pos="0">
+              <a:schemeClr val="phClr">
+                <a:satMod val="103000"/>
+                <a:lumMod val="102000"/>
+                <a:tint val="94000"/>
+              </a:schemeClr>
+            </a:gs>
+            <a:gs pos="50000">
+              <a:schemeClr val="phClr">
+                <a:satMod val="110000"/>
+                <a:lumMod val="100000"/>
+                <a:shade val="100000"/>
+              </a:schemeClr>
+            </a:gs>
+            <a:gs pos="100000">
+              <a:schemeClr val="phClr">
+                <a:lumMod val="99000"/>
+                <a:satMod val="120000"/>
+                <a:shade val="78000"/>
+              </a:schemeClr>
+            </a:gs>
+          </a:gsLst>
+          <a:lin ang="5400000" scaled="0"/>
+        </a:gradFill>
+      </a:fillStyleLst>
+      <a:lnStyleLst>
+        <a:ln w="6350" cap="flat" cmpd="sng" algn="ctr">
+          <a:solidFill>
+            <a:schemeClr val="phClr"/>
+          </a:solidFill>
+          <a:prstDash val="solid"/>
+          <a:miter lim="800000"/>
+        </a:ln>
+        <a:ln w="12700" cap="flat" cmpd="sng" algn="ctr">
+          <a:solidFill>
+            <a:schemeClr val="phClr"/>
+          </a:solidFill>
+          <a:prstDash val="solid"/>
+          <a:miter lim="800000"/>
+        </a:ln>
+        <a:ln w="19050" cap="flat" cmpd="sng" algn="ctr">
+          <a:solidFill>
+            <a:schemeClr val="phClr"/>
+          </a:solidFill>
+          <a:prstDash val="solid"/>
+          <a:miter lim="800000"/>
+        </a:ln>
+      </a:lnStyleLst>
+      <a:effectStyleLst>
+        <a:effectStyle>
+          <a:effectLst/>
+        </a:effectStyle>
+        <a:effectStyle>
+          <a:effectLst/>
+        </a:effectStyle>
+        <a:effectStyle>
+          <a:effectLst>
+            <a:outerShdw blurRad="57150" dist="19050" dir="5400000" algn="ctr" rotWithShape="0">
+              <a:srgbClr val="000000">
+                <a:alpha val="63000"/>
+              </a:srgbClr>
+            </a:outerShdw>
+          </a:effectLst>
+        </a:effectStyle>
+      </a:effectStyleLst>
+      <a:bgFillStyleLst>
+        <a:solidFill>
+          <a:schemeClr val="phClr"/>
+        </a:solidFill>
+        <a:solidFill>
+          <a:schemeClr val="phClr">
+            <a:tint val="95000"/>
+            <a:satMod val="170000"/>
+          </a:schemeClr>
+        </a:solidFill>
+        <a:gradFill rotWithShape="1">
+          <a:gsLst>
+            <a:gs pos="0">
+              <a:schemeClr val="phClr">
+                <a:tint val="93000"/>
+                <a:satMod val="150000"/>
+                <a:shade val="98000"/>
+                <a:lumMod val="102000"/>
+              </a:schemeClr>
+            </a:gs>
+            <a:gs pos="50000">
+              <a:schemeClr val="phClr">
+                <a:tint val="98000"/>
+                <a:satMod val="130000"/>
+                <a:shade val="90000"/>
+                <a:lumMod val="103000"/>
+              </a:schemeClr>
+            </a:gs>
+            <a:gs pos="100000">
+              <a:schemeClr val="phClr">
+                <a:shade val="63000"/>
+                <a:satMod val="120000"/>
+              </a:schemeClr>
+            </a:gs>
+          </a:gsLst>
+          <a:lin ang="5400000" scaled="0"/>
+        </a:gradFill>
+      </a:bgFillStyleLst>
+    </a:fmtScheme>
+  </a:themeElements>
+  <a:objectDefaults/>
+  <a:extraClrSchemeLst/>
+  <a:extLst>
+    <a:ext uri="{05A4C25C-085E-4340-85A3-A5531E510DB2}">
+      <thm15:themeFamily xmlns:thm15="http://schemas.microsoft.com/office/thememl/2012/main" name="Office Theme" id="{62F939B6-93AF-4DB8-9C6B-D6C7DFDC589F}" vid="{4A3C46E8-61CC-4603-A589-7422A47A8E4A}"/>
+    </a:ext>
+  </a:extLst>
+</a:theme>
 </file>